--- a/rapport/images/ballalreadydetect.pptx
+++ b/rapport/images/ballalreadydetect.pptx
@@ -3193,48 +3193,6 @@
       </p:sp>
       <p:sp>
         <p:nvSpPr>
-          <p:cNvPr id="23" name="Oval 22"/>
-          <p:cNvSpPr/>
-          <p:nvPr/>
-        </p:nvSpPr>
-        <p:spPr>
-          <a:xfrm>
-            <a:off x="49320" y="24658"/>
-            <a:ext cx="645916" cy="645916"/>
-          </a:xfrm>
-          <a:prstGeom prst="ellipse">
-            <a:avLst/>
-          </a:prstGeom>
-          <a:noFill/>
-          <a:ln>
-            <a:prstDash val="dash"/>
-          </a:ln>
-        </p:spPr>
-        <p:style>
-          <a:lnRef idx="2">
-            <a:schemeClr val="dk1"/>
-          </a:lnRef>
-          <a:fillRef idx="1">
-            <a:schemeClr val="lt1"/>
-          </a:fillRef>
-          <a:effectRef idx="0">
-            <a:schemeClr val="dk1"/>
-          </a:effectRef>
-          <a:fontRef idx="minor">
-            <a:schemeClr val="dk1"/>
-          </a:fontRef>
-        </p:style>
-        <p:txBody>
-          <a:bodyPr rtlCol="0" anchor="ctr"/>
-          <a:lstStyle/>
-          <a:p>
-            <a:pPr algn="ctr"/>
-            <a:endParaRPr lang="en-US"/>
-          </a:p>
-        </p:txBody>
-      </p:sp>
-      <p:sp>
-        <p:nvSpPr>
           <p:cNvPr id="24" name="Oval 23"/>
           <p:cNvSpPr/>
           <p:nvPr/>
@@ -3366,84 +3324,6 @@
           </a:p>
         </p:txBody>
       </p:sp>
-      <p:cxnSp>
-        <p:nvCxnSpPr>
-          <p:cNvPr id="29" name="Straight Arrow Connector 28"/>
-          <p:cNvCxnSpPr>
-            <a:stCxn id="23" idx="6"/>
-          </p:cNvCxnSpPr>
-          <p:nvPr/>
-        </p:nvCxnSpPr>
-        <p:spPr>
-          <a:xfrm>
-            <a:off x="695236" y="347616"/>
-            <a:ext cx="648701" cy="0"/>
-          </a:xfrm>
-          <a:prstGeom prst="straightConnector1">
-            <a:avLst/>
-          </a:prstGeom>
-          <a:ln>
-            <a:solidFill>
-              <a:schemeClr val="tx1"/>
-            </a:solidFill>
-            <a:tailEnd type="arrow"/>
-          </a:ln>
-          <a:effectLst/>
-        </p:spPr>
-        <p:style>
-          <a:lnRef idx="2">
-            <a:schemeClr val="dk1"/>
-          </a:lnRef>
-          <a:fillRef idx="0">
-            <a:schemeClr val="dk1"/>
-          </a:fillRef>
-          <a:effectRef idx="1">
-            <a:schemeClr val="dk1"/>
-          </a:effectRef>
-          <a:fontRef idx="minor">
-            <a:schemeClr val="tx1"/>
-          </a:fontRef>
-        </p:style>
-      </p:cxnSp>
-      <p:cxnSp>
-        <p:nvCxnSpPr>
-          <p:cNvPr id="30" name="Straight Arrow Connector 29"/>
-          <p:cNvCxnSpPr>
-            <a:stCxn id="23" idx="6"/>
-          </p:cNvCxnSpPr>
-          <p:nvPr/>
-        </p:nvCxnSpPr>
-        <p:spPr>
-          <a:xfrm>
-            <a:off x="695236" y="347616"/>
-            <a:ext cx="365118" cy="0"/>
-          </a:xfrm>
-          <a:prstGeom prst="straightConnector1">
-            <a:avLst/>
-          </a:prstGeom>
-          <a:ln>
-            <a:solidFill>
-              <a:schemeClr val="tx1"/>
-            </a:solidFill>
-            <a:tailEnd type="arrow"/>
-          </a:ln>
-          <a:effectLst/>
-        </p:spPr>
-        <p:style>
-          <a:lnRef idx="2">
-            <a:schemeClr val="dk1"/>
-          </a:lnRef>
-          <a:fillRef idx="0">
-            <a:schemeClr val="dk1"/>
-          </a:fillRef>
-          <a:effectRef idx="1">
-            <a:schemeClr val="dk1"/>
-          </a:effectRef>
-          <a:fontRef idx="minor">
-            <a:schemeClr val="tx1"/>
-          </a:fontRef>
-        </p:style>
-      </p:cxnSp>
       <p:sp>
         <p:nvSpPr>
           <p:cNvPr id="39" name="Oval 38"/>
